--- a/Capstone Presentation.pptx
+++ b/Capstone Presentation.pptx
@@ -133,6 +133,11 @@
       </a:defRPr>
     </a:lvl9pPr>
   </p:defaultTextStyle>
+  <p:extLst>
+    <p:ext uri="{EFAFB233-063F-42B5-8137-9DF3F51BA10A}">
+      <p15:sldGuideLst xmlns:p15="http://schemas.microsoft.com/office/powerpoint/2012/main"/>
+    </p:ext>
+  </p:extLst>
 </p:presentation>
 </file>
 
@@ -3294,7 +3299,7 @@
           <a:p>
             <a:fld id="{37A73165-2164-3646-91C2-DD0E969E872B}" type="datetimeFigureOut">
               <a:rPr lang="en-US" smtClean="0"/>
-              <a:t>3/20/25</a:t>
+              <a:t>3/21/25</a:t>
             </a:fld>
             <a:endParaRPr lang="en-US"/>
           </a:p>
@@ -3792,7 +3797,7 @@
           <a:p>
             <a:fld id="{F342B209-16C2-594C-AD68-87E44ECB4AD5}" type="datetimeFigureOut">
               <a:rPr lang="en-US" smtClean="0"/>
-              <a:t>3/20/25</a:t>
+              <a:t>3/21/25</a:t>
             </a:fld>
             <a:endParaRPr lang="en-US"/>
           </a:p>
@@ -3990,7 +3995,7 @@
           <a:p>
             <a:fld id="{F342B209-16C2-594C-AD68-87E44ECB4AD5}" type="datetimeFigureOut">
               <a:rPr lang="en-US" smtClean="0"/>
-              <a:t>3/20/25</a:t>
+              <a:t>3/21/25</a:t>
             </a:fld>
             <a:endParaRPr lang="en-US"/>
           </a:p>
@@ -4198,7 +4203,7 @@
           <a:p>
             <a:fld id="{F342B209-16C2-594C-AD68-87E44ECB4AD5}" type="datetimeFigureOut">
               <a:rPr lang="en-US" smtClean="0"/>
-              <a:t>3/20/25</a:t>
+              <a:t>3/21/25</a:t>
             </a:fld>
             <a:endParaRPr lang="en-US"/>
           </a:p>
@@ -4396,7 +4401,7 @@
           <a:p>
             <a:fld id="{F342B209-16C2-594C-AD68-87E44ECB4AD5}" type="datetimeFigureOut">
               <a:rPr lang="en-US" smtClean="0"/>
-              <a:t>3/20/25</a:t>
+              <a:t>3/21/25</a:t>
             </a:fld>
             <a:endParaRPr lang="en-US"/>
           </a:p>
@@ -4671,7 +4676,7 @@
           <a:p>
             <a:fld id="{F342B209-16C2-594C-AD68-87E44ECB4AD5}" type="datetimeFigureOut">
               <a:rPr lang="en-US" smtClean="0"/>
-              <a:t>3/20/25</a:t>
+              <a:t>3/21/25</a:t>
             </a:fld>
             <a:endParaRPr lang="en-US"/>
           </a:p>
@@ -4936,7 +4941,7 @@
           <a:p>
             <a:fld id="{F342B209-16C2-594C-AD68-87E44ECB4AD5}" type="datetimeFigureOut">
               <a:rPr lang="en-US" smtClean="0"/>
-              <a:t>3/20/25</a:t>
+              <a:t>3/21/25</a:t>
             </a:fld>
             <a:endParaRPr lang="en-US"/>
           </a:p>
@@ -5348,7 +5353,7 @@
           <a:p>
             <a:fld id="{F342B209-16C2-594C-AD68-87E44ECB4AD5}" type="datetimeFigureOut">
               <a:rPr lang="en-US" smtClean="0"/>
-              <a:t>3/20/25</a:t>
+              <a:t>3/21/25</a:t>
             </a:fld>
             <a:endParaRPr lang="en-US"/>
           </a:p>
@@ -5489,7 +5494,7 @@
           <a:p>
             <a:fld id="{F342B209-16C2-594C-AD68-87E44ECB4AD5}" type="datetimeFigureOut">
               <a:rPr lang="en-US" smtClean="0"/>
-              <a:t>3/20/25</a:t>
+              <a:t>3/21/25</a:t>
             </a:fld>
             <a:endParaRPr lang="en-US"/>
           </a:p>
@@ -5602,7 +5607,7 @@
           <a:p>
             <a:fld id="{F342B209-16C2-594C-AD68-87E44ECB4AD5}" type="datetimeFigureOut">
               <a:rPr lang="en-US" smtClean="0"/>
-              <a:t>3/20/25</a:t>
+              <a:t>3/21/25</a:t>
             </a:fld>
             <a:endParaRPr lang="en-US"/>
           </a:p>
@@ -5913,7 +5918,7 @@
           <a:p>
             <a:fld id="{F342B209-16C2-594C-AD68-87E44ECB4AD5}" type="datetimeFigureOut">
               <a:rPr lang="en-US" smtClean="0"/>
-              <a:t>3/20/25</a:t>
+              <a:t>3/21/25</a:t>
             </a:fld>
             <a:endParaRPr lang="en-US"/>
           </a:p>
@@ -6201,7 +6206,7 @@
           <a:p>
             <a:fld id="{F342B209-16C2-594C-AD68-87E44ECB4AD5}" type="datetimeFigureOut">
               <a:rPr lang="en-US" smtClean="0"/>
-              <a:t>3/20/25</a:t>
+              <a:t>3/21/25</a:t>
             </a:fld>
             <a:endParaRPr lang="en-US"/>
           </a:p>
@@ -6442,7 +6447,7 @@
           <a:p>
             <a:fld id="{F342B209-16C2-594C-AD68-87E44ECB4AD5}" type="datetimeFigureOut">
               <a:rPr lang="en-US" smtClean="0"/>
-              <a:t>3/20/25</a:t>
+              <a:t>3/21/25</a:t>
             </a:fld>
             <a:endParaRPr lang="en-US"/>
           </a:p>
@@ -14837,9 +14842,18 @@
                 <a:latin typeface="+mn-lt"/>
                 <a:ea typeface="+mn-ea"/>
                 <a:cs typeface="+mn-cs"/>
+                <a:hlinkClick r:id="rId2"/>
               </a:rPr>
               <a:t>https://abnersonocampo.github.io/comprehensive-asthma-analysis/</a:t>
             </a:r>
+            <a:endParaRPr lang="en-US" kern="1200" dirty="0">
+              <a:solidFill>
+                <a:schemeClr val="tx1"/>
+              </a:solidFill>
+              <a:latin typeface="+mn-lt"/>
+              <a:ea typeface="+mn-ea"/>
+              <a:cs typeface="+mn-cs"/>
+            </a:endParaRPr>
           </a:p>
         </p:txBody>
       </p:sp>
@@ -14858,10 +14872,10 @@
           <p:nvPr/>
         </p:nvPicPr>
         <p:blipFill>
-          <a:blip r:embed="rId2">
+          <a:blip r:embed="rId3">
             <a:extLst>
               <a:ext uri="{96DAC541-7B7A-43D3-8B79-37D633B846F1}">
-                <asvg:svgBlip xmlns:asvg="http://schemas.microsoft.com/office/drawing/2016/SVG/main" r:embed="rId3"/>
+                <asvg:svgBlip xmlns:asvg="http://schemas.microsoft.com/office/drawing/2016/SVG/main" r:embed="rId4"/>
               </a:ext>
             </a:extLst>
           </a:blip>
@@ -14894,7 +14908,7 @@
           <p:nvPr/>
         </p:nvPicPr>
         <p:blipFill>
-          <a:blip r:embed="rId4"/>
+          <a:blip r:embed="rId5"/>
           <a:stretch>
             <a:fillRect/>
           </a:stretch>

--- a/Capstone Presentation.pptx
+++ b/Capstone Presentation.pptx
@@ -5,7 +5,7 @@
     <p:sldMasterId id="2147483648" r:id="rId1"/>
   </p:sldMasterIdLst>
   <p:notesMasterIdLst>
-    <p:notesMasterId r:id="rId29"/>
+    <p:notesMasterId r:id="rId31"/>
   </p:notesMasterIdLst>
   <p:sldIdLst>
     <p:sldId id="256" r:id="rId2"/>
@@ -34,7 +34,9 @@
     <p:sldId id="281" r:id="rId25"/>
     <p:sldId id="282" r:id="rId26"/>
     <p:sldId id="284" r:id="rId27"/>
-    <p:sldId id="285" r:id="rId28"/>
+    <p:sldId id="288" r:id="rId28"/>
+    <p:sldId id="289" r:id="rId29"/>
+    <p:sldId id="285" r:id="rId30"/>
   </p:sldIdLst>
   <p:sldSz cx="12192000" cy="6858000"/>
   <p:notesSz cx="6858000" cy="9144000"/>
@@ -3299,7 +3301,7 @@
           <a:p>
             <a:fld id="{37A73165-2164-3646-91C2-DD0E969E872B}" type="datetimeFigureOut">
               <a:rPr lang="en-US" smtClean="0"/>
-              <a:t>3/21/25</a:t>
+              <a:t>3/23/25</a:t>
             </a:fld>
             <a:endParaRPr lang="en-US"/>
           </a:p>
@@ -3797,7 +3799,7 @@
           <a:p>
             <a:fld id="{F342B209-16C2-594C-AD68-87E44ECB4AD5}" type="datetimeFigureOut">
               <a:rPr lang="en-US" smtClean="0"/>
-              <a:t>3/21/25</a:t>
+              <a:t>3/23/25</a:t>
             </a:fld>
             <a:endParaRPr lang="en-US"/>
           </a:p>
@@ -3995,7 +3997,7 @@
           <a:p>
             <a:fld id="{F342B209-16C2-594C-AD68-87E44ECB4AD5}" type="datetimeFigureOut">
               <a:rPr lang="en-US" smtClean="0"/>
-              <a:t>3/21/25</a:t>
+              <a:t>3/23/25</a:t>
             </a:fld>
             <a:endParaRPr lang="en-US"/>
           </a:p>
@@ -4203,7 +4205,7 @@
           <a:p>
             <a:fld id="{F342B209-16C2-594C-AD68-87E44ECB4AD5}" type="datetimeFigureOut">
               <a:rPr lang="en-US" smtClean="0"/>
-              <a:t>3/21/25</a:t>
+              <a:t>3/23/25</a:t>
             </a:fld>
             <a:endParaRPr lang="en-US"/>
           </a:p>
@@ -4401,7 +4403,7 @@
           <a:p>
             <a:fld id="{F342B209-16C2-594C-AD68-87E44ECB4AD5}" type="datetimeFigureOut">
               <a:rPr lang="en-US" smtClean="0"/>
-              <a:t>3/21/25</a:t>
+              <a:t>3/23/25</a:t>
             </a:fld>
             <a:endParaRPr lang="en-US"/>
           </a:p>
@@ -4676,7 +4678,7 @@
           <a:p>
             <a:fld id="{F342B209-16C2-594C-AD68-87E44ECB4AD5}" type="datetimeFigureOut">
               <a:rPr lang="en-US" smtClean="0"/>
-              <a:t>3/21/25</a:t>
+              <a:t>3/23/25</a:t>
             </a:fld>
             <a:endParaRPr lang="en-US"/>
           </a:p>
@@ -4941,7 +4943,7 @@
           <a:p>
             <a:fld id="{F342B209-16C2-594C-AD68-87E44ECB4AD5}" type="datetimeFigureOut">
               <a:rPr lang="en-US" smtClean="0"/>
-              <a:t>3/21/25</a:t>
+              <a:t>3/23/25</a:t>
             </a:fld>
             <a:endParaRPr lang="en-US"/>
           </a:p>
@@ -5353,7 +5355,7 @@
           <a:p>
             <a:fld id="{F342B209-16C2-594C-AD68-87E44ECB4AD5}" type="datetimeFigureOut">
               <a:rPr lang="en-US" smtClean="0"/>
-              <a:t>3/21/25</a:t>
+              <a:t>3/23/25</a:t>
             </a:fld>
             <a:endParaRPr lang="en-US"/>
           </a:p>
@@ -5494,7 +5496,7 @@
           <a:p>
             <a:fld id="{F342B209-16C2-594C-AD68-87E44ECB4AD5}" type="datetimeFigureOut">
               <a:rPr lang="en-US" smtClean="0"/>
-              <a:t>3/21/25</a:t>
+              <a:t>3/23/25</a:t>
             </a:fld>
             <a:endParaRPr lang="en-US"/>
           </a:p>
@@ -5607,7 +5609,7 @@
           <a:p>
             <a:fld id="{F342B209-16C2-594C-AD68-87E44ECB4AD5}" type="datetimeFigureOut">
               <a:rPr lang="en-US" smtClean="0"/>
-              <a:t>3/21/25</a:t>
+              <a:t>3/23/25</a:t>
             </a:fld>
             <a:endParaRPr lang="en-US"/>
           </a:p>
@@ -5918,7 +5920,7 @@
           <a:p>
             <a:fld id="{F342B209-16C2-594C-AD68-87E44ECB4AD5}" type="datetimeFigureOut">
               <a:rPr lang="en-US" smtClean="0"/>
-              <a:t>3/21/25</a:t>
+              <a:t>3/23/25</a:t>
             </a:fld>
             <a:endParaRPr lang="en-US"/>
           </a:p>
@@ -6206,7 +6208,7 @@
           <a:p>
             <a:fld id="{F342B209-16C2-594C-AD68-87E44ECB4AD5}" type="datetimeFigureOut">
               <a:rPr lang="en-US" smtClean="0"/>
-              <a:t>3/21/25</a:t>
+              <a:t>3/23/25</a:t>
             </a:fld>
             <a:endParaRPr lang="en-US"/>
           </a:p>
@@ -6447,7 +6449,7 @@
           <a:p>
             <a:fld id="{F342B209-16C2-594C-AD68-87E44ECB4AD5}" type="datetimeFigureOut">
               <a:rPr lang="en-US" smtClean="0"/>
-              <a:t>3/21/25</a:t>
+              <a:t>3/23/25</a:t>
             </a:fld>
             <a:endParaRPr lang="en-US"/>
           </a:p>
@@ -14560,25 +14562,57 @@
           <a:p>
             <a:r>
               <a:rPr lang="en-US" sz="2400" dirty="0"/>
-              <a:t>Prioritize sufficient rest. Disrupted sleep can contribute to asthma exacerbations. </a:t>
-            </a:r>
-          </a:p>
-          <a:p>
+              <a:t>Prioritize </a:t>
+            </a:r>
+            <a:r>
+              <a:rPr lang="en-US" sz="2400" b="1" dirty="0"/>
+              <a:t>sufficient rest</a:t>
+            </a:r>
             <a:r>
               <a:rPr lang="en-US" sz="2400" dirty="0"/>
-              <a:t>Aim for consistent bedtime and at least 7-9 hours of sleep per night to support better lung function and reduce nighttime attacks.</a:t>
+              <a:t>. Disrupted sleep can contribute to asthma exacerbations. </a:t>
             </a:r>
           </a:p>
           <a:p>
             <a:r>
               <a:rPr lang="en-US" sz="2400" dirty="0"/>
-              <a:t>Maintain a consistent weekend routine – avoid drastic shifts in sleep, diet, or physical activity that could contribute to Sunday night disruptions.</a:t>
-            </a:r>
-          </a:p>
-          <a:p>
+              <a:t>Aim for consistent bedtime and at least </a:t>
+            </a:r>
+            <a:r>
+              <a:rPr lang="en-US" sz="2400" b="1" dirty="0"/>
+              <a:t>7-9 hours </a:t>
+            </a:r>
             <a:r>
               <a:rPr lang="en-US" sz="2400" dirty="0"/>
-              <a:t>If certain days have consistently higher attacks, consult with a Doctor about optimizing medication timing or preventive strategies.</a:t>
+              <a:t>of sleep per night to support better lung function and reduce nighttime attacks.</a:t>
+            </a:r>
+          </a:p>
+          <a:p>
+            <a:r>
+              <a:rPr lang="en-US" sz="2400" dirty="0"/>
+              <a:t>Maintain a consistent weekend routine – </a:t>
+            </a:r>
+            <a:r>
+              <a:rPr lang="en-US" sz="2400" b="1" dirty="0"/>
+              <a:t>avoid</a:t>
+            </a:r>
+            <a:r>
+              <a:rPr lang="en-US" sz="2400" dirty="0"/>
+              <a:t> drastic shifts in sleep, diet, or physical activity that could contribute to Sunday night disruptions.</a:t>
+            </a:r>
+          </a:p>
+          <a:p>
+            <a:r>
+              <a:rPr lang="en-US" sz="2400" dirty="0"/>
+              <a:t>If certain days have consistently higher attacks, </a:t>
+            </a:r>
+            <a:r>
+              <a:rPr lang="en-US" sz="2400" b="1" dirty="0"/>
+              <a:t>consult with a Doctor </a:t>
+            </a:r>
+            <a:r>
+              <a:rPr lang="en-US" sz="2400" dirty="0"/>
+              <a:t>about optimizing medication timing or preventive strategies.</a:t>
             </a:r>
             <a:endParaRPr lang="en-US" sz="2000" dirty="0"/>
           </a:p>
@@ -14628,6 +14662,535 @@
 </file>
 
 <file path=ppt/slides/slide27.xml><?xml version="1.0" encoding="utf-8"?>
+<p:sld xmlns:a="http://schemas.openxmlformats.org/drawingml/2006/main" xmlns:r="http://schemas.openxmlformats.org/officeDocument/2006/relationships" xmlns:p="http://schemas.openxmlformats.org/presentationml/2006/main">
+  <p:cSld>
+    <p:bg>
+      <p:bgPr>
+        <a:solidFill>
+          <a:schemeClr val="bg1"/>
+        </a:solidFill>
+        <a:effectLst/>
+      </p:bgPr>
+    </p:bg>
+    <p:spTree>
+      <p:nvGrpSpPr>
+        <p:cNvPr id="1" name="">
+          <a:extLst>
+            <a:ext uri="{FF2B5EF4-FFF2-40B4-BE49-F238E27FC236}">
+              <a16:creationId xmlns:a16="http://schemas.microsoft.com/office/drawing/2014/main" id="{A6679A3F-20B2-A04F-3083-8D6A3CA8A47B}"/>
+            </a:ext>
+          </a:extLst>
+        </p:cNvPr>
+        <p:cNvGrpSpPr/>
+        <p:nvPr/>
+      </p:nvGrpSpPr>
+      <p:grpSpPr>
+        <a:xfrm>
+          <a:off x="0" y="0"/>
+          <a:ext cx="0" cy="0"/>
+          <a:chOff x="0" y="0"/>
+          <a:chExt cx="0" cy="0"/>
+        </a:xfrm>
+      </p:grpSpPr>
+      <p:sp useBgFill="1">
+        <p:nvSpPr>
+          <p:cNvPr id="19" name="Rectangle 18">
+            <a:extLst>
+              <a:ext uri="{FF2B5EF4-FFF2-40B4-BE49-F238E27FC236}">
+                <a16:creationId xmlns:a16="http://schemas.microsoft.com/office/drawing/2014/main" id="{08369BA7-326E-6015-6B9F-D147B59F0605}"/>
+              </a:ext>
+              <a:ext uri="{C183D7F6-B498-43B3-948B-1728B52AA6E4}">
+                <adec:decorative xmlns:adec="http://schemas.microsoft.com/office/drawing/2017/decorative" val="1"/>
+              </a:ext>
+            </a:extLst>
+          </p:cNvPr>
+          <p:cNvSpPr>
+            <a:spLocks noGrp="1" noRot="1" noChangeAspect="1" noMove="1" noResize="1" noEditPoints="1" noAdjustHandles="1" noChangeArrowheads="1" noChangeShapeType="1" noTextEdit="1"/>
+          </p:cNvSpPr>
+          <p:nvPr>
+            <p:extLst>
+              <p:ext uri="{386F3935-93C4-4BCD-93E2-E3B085C9AB24}">
+                <p16:designElem xmlns:p16="http://schemas.microsoft.com/office/powerpoint/2015/main" val="1"/>
+              </p:ext>
+            </p:extLst>
+          </p:nvPr>
+        </p:nvSpPr>
+        <p:spPr>
+          <a:xfrm>
+            <a:off x="-1" y="0"/>
+            <a:ext cx="12188952" cy="6858000"/>
+          </a:xfrm>
+          <a:prstGeom prst="rect">
+            <a:avLst/>
+          </a:prstGeom>
+          <a:ln>
+            <a:noFill/>
+          </a:ln>
+        </p:spPr>
+        <p:style>
+          <a:lnRef idx="2">
+            <a:schemeClr val="accent1">
+              <a:shade val="50000"/>
+            </a:schemeClr>
+          </a:lnRef>
+          <a:fillRef idx="1">
+            <a:schemeClr val="accent1"/>
+          </a:fillRef>
+          <a:effectRef idx="0">
+            <a:schemeClr val="accent1"/>
+          </a:effectRef>
+          <a:fontRef idx="minor">
+            <a:schemeClr val="lt1"/>
+          </a:fontRef>
+        </p:style>
+        <p:txBody>
+          <a:bodyPr rtlCol="0" anchor="ctr"/>
+          <a:lstStyle/>
+          <a:p>
+            <a:pPr algn="ctr"/>
+            <a:endParaRPr lang="en-US"/>
+          </a:p>
+        </p:txBody>
+      </p:sp>
+      <p:sp>
+        <p:nvSpPr>
+          <p:cNvPr id="2" name="Title 1">
+            <a:extLst>
+              <a:ext uri="{FF2B5EF4-FFF2-40B4-BE49-F238E27FC236}">
+                <a16:creationId xmlns:a16="http://schemas.microsoft.com/office/drawing/2014/main" id="{AD60F232-4C46-1264-801A-932FF94035AB}"/>
+              </a:ext>
+            </a:extLst>
+          </p:cNvPr>
+          <p:cNvSpPr>
+            <a:spLocks noGrp="1"/>
+          </p:cNvSpPr>
+          <p:nvPr>
+            <p:ph type="title"/>
+          </p:nvPr>
+        </p:nvSpPr>
+        <p:spPr>
+          <a:xfrm>
+            <a:off x="1523331" y="3117821"/>
+            <a:ext cx="9142288" cy="2068222"/>
+          </a:xfrm>
+        </p:spPr>
+        <p:txBody>
+          <a:bodyPr vert="horz" lIns="91440" tIns="45720" rIns="91440" bIns="45720" rtlCol="0" anchor="b">
+            <a:normAutofit/>
+          </a:bodyPr>
+          <a:lstStyle/>
+          <a:p>
+            <a:pPr algn="ctr"/>
+            <a:r>
+              <a:rPr lang="en-US" b="1" kern="1200" dirty="0">
+                <a:solidFill>
+                  <a:schemeClr val="tx1"/>
+                </a:solidFill>
+                <a:latin typeface="+mj-lt"/>
+                <a:ea typeface="+mj-ea"/>
+                <a:cs typeface="+mj-cs"/>
+              </a:rPr>
+              <a:t>Conclusion</a:t>
+            </a:r>
+          </a:p>
+        </p:txBody>
+      </p:sp>
+      <p:pic>
+        <p:nvPicPr>
+          <p:cNvPr id="5" name="Graphic 4">
+            <a:extLst>
+              <a:ext uri="{FF2B5EF4-FFF2-40B4-BE49-F238E27FC236}">
+                <a16:creationId xmlns:a16="http://schemas.microsoft.com/office/drawing/2014/main" id="{5EAFF2D6-ADC4-56D5-6D50-2D309EADBD2D}"/>
+              </a:ext>
+            </a:extLst>
+          </p:cNvPr>
+          <p:cNvPicPr>
+            <a:picLocks noChangeAspect="1"/>
+          </p:cNvPicPr>
+          <p:nvPr/>
+        </p:nvPicPr>
+        <p:blipFill>
+          <a:blip r:embed="rId2">
+            <a:extLst>
+              <a:ext uri="{96DAC541-7B7A-43D3-8B79-37D633B846F1}">
+                <asvg:svgBlip xmlns:asvg="http://schemas.microsoft.com/office/drawing/2016/SVG/main" r:embed="rId3"/>
+              </a:ext>
+            </a:extLst>
+          </a:blip>
+          <a:stretch>
+            <a:fillRect/>
+          </a:stretch>
+        </p:blipFill>
+        <p:spPr>
+          <a:xfrm>
+            <a:off x="4955479" y="1713488"/>
+            <a:ext cx="2277991" cy="2260192"/>
+          </a:xfrm>
+          <a:prstGeom prst="rect">
+            <a:avLst/>
+          </a:prstGeom>
+        </p:spPr>
+      </p:pic>
+      <p:pic>
+        <p:nvPicPr>
+          <p:cNvPr id="6" name="Picture 5" descr="A white u-shaped arrow in a circle&#10;&#10;AI-generated content may be incorrect.">
+            <a:extLst>
+              <a:ext uri="{FF2B5EF4-FFF2-40B4-BE49-F238E27FC236}">
+                <a16:creationId xmlns:a16="http://schemas.microsoft.com/office/drawing/2014/main" id="{48CF9005-062F-ED8A-4C9B-588855BEAA27}"/>
+              </a:ext>
+            </a:extLst>
+          </p:cNvPr>
+          <p:cNvPicPr>
+            <a:picLocks noChangeAspect="1"/>
+          </p:cNvPicPr>
+          <p:nvPr/>
+        </p:nvPicPr>
+        <p:blipFill>
+          <a:blip r:embed="rId4"/>
+          <a:stretch>
+            <a:fillRect/>
+          </a:stretch>
+        </p:blipFill>
+        <p:spPr>
+          <a:xfrm>
+            <a:off x="11437877" y="6176963"/>
+            <a:ext cx="488870" cy="479284"/>
+          </a:xfrm>
+          <a:prstGeom prst="rect">
+            <a:avLst/>
+          </a:prstGeom>
+        </p:spPr>
+      </p:pic>
+    </p:spTree>
+    <p:extLst>
+      <p:ext uri="{BB962C8B-B14F-4D97-AF65-F5344CB8AC3E}">
+        <p14:creationId xmlns:p14="http://schemas.microsoft.com/office/powerpoint/2010/main" val="441325805"/>
+      </p:ext>
+    </p:extLst>
+  </p:cSld>
+  <p:clrMapOvr>
+    <a:masterClrMapping/>
+  </p:clrMapOvr>
+</p:sld>
+</file>
+
+<file path=ppt/slides/slide28.xml><?xml version="1.0" encoding="utf-8"?>
+<p:sld xmlns:a="http://schemas.openxmlformats.org/drawingml/2006/main" xmlns:r="http://schemas.openxmlformats.org/officeDocument/2006/relationships" xmlns:p="http://schemas.openxmlformats.org/presentationml/2006/main">
+  <p:cSld>
+    <p:spTree>
+      <p:nvGrpSpPr>
+        <p:cNvPr id="1" name="">
+          <a:extLst>
+            <a:ext uri="{FF2B5EF4-FFF2-40B4-BE49-F238E27FC236}">
+              <a16:creationId xmlns:a16="http://schemas.microsoft.com/office/drawing/2014/main" id="{788484D1-7DB9-F452-BD02-91F37CF9E81F}"/>
+            </a:ext>
+          </a:extLst>
+        </p:cNvPr>
+        <p:cNvGrpSpPr/>
+        <p:nvPr/>
+      </p:nvGrpSpPr>
+      <p:grpSpPr>
+        <a:xfrm>
+          <a:off x="0" y="0"/>
+          <a:ext cx="0" cy="0"/>
+          <a:chOff x="0" y="0"/>
+          <a:chExt cx="0" cy="0"/>
+        </a:xfrm>
+      </p:grpSpPr>
+      <p:sp>
+        <p:nvSpPr>
+          <p:cNvPr id="2" name="Content Placeholder 2">
+            <a:extLst>
+              <a:ext uri="{FF2B5EF4-FFF2-40B4-BE49-F238E27FC236}">
+                <a16:creationId xmlns:a16="http://schemas.microsoft.com/office/drawing/2014/main" id="{706E9030-CAD2-0FCD-5E86-68CECF98921C}"/>
+              </a:ext>
+            </a:extLst>
+          </p:cNvPr>
+          <p:cNvSpPr txBox="1">
+            <a:spLocks/>
+          </p:cNvSpPr>
+          <p:nvPr/>
+        </p:nvSpPr>
+        <p:spPr>
+          <a:xfrm>
+            <a:off x="1011936" y="1897313"/>
+            <a:ext cx="10168128" cy="3063373"/>
+          </a:xfrm>
+          <a:prstGeom prst="rect">
+            <a:avLst/>
+          </a:prstGeom>
+        </p:spPr>
+        <p:txBody>
+          <a:bodyPr anchor="ctr">
+            <a:normAutofit lnSpcReduction="10000"/>
+          </a:bodyPr>
+          <a:lstStyle>
+            <a:lvl1pPr marL="228600" indent="-228600" algn="l" defTabSz="914400" rtl="0" eaLnBrk="1" latinLnBrk="0" hangingPunct="1">
+              <a:lnSpc>
+                <a:spcPct val="90000"/>
+              </a:lnSpc>
+              <a:spcBef>
+                <a:spcPts val="1000"/>
+              </a:spcBef>
+              <a:buFont typeface="Arial" panose="020B0604020202020204" pitchFamily="34" charset="0"/>
+              <a:buChar char="•"/>
+              <a:defRPr sz="2800" kern="1200">
+                <a:solidFill>
+                  <a:schemeClr val="tx1"/>
+                </a:solidFill>
+                <a:latin typeface="+mn-lt"/>
+                <a:ea typeface="+mn-ea"/>
+                <a:cs typeface="+mn-cs"/>
+              </a:defRPr>
+            </a:lvl1pPr>
+            <a:lvl2pPr marL="685800" indent="-228600" algn="l" defTabSz="914400" rtl="0" eaLnBrk="1" latinLnBrk="0" hangingPunct="1">
+              <a:lnSpc>
+                <a:spcPct val="90000"/>
+              </a:lnSpc>
+              <a:spcBef>
+                <a:spcPts val="500"/>
+              </a:spcBef>
+              <a:buFont typeface="Arial" panose="020B0604020202020204" pitchFamily="34" charset="0"/>
+              <a:buChar char="•"/>
+              <a:defRPr sz="2400" kern="1200">
+                <a:solidFill>
+                  <a:schemeClr val="tx1"/>
+                </a:solidFill>
+                <a:latin typeface="+mn-lt"/>
+                <a:ea typeface="+mn-ea"/>
+                <a:cs typeface="+mn-cs"/>
+              </a:defRPr>
+            </a:lvl2pPr>
+            <a:lvl3pPr marL="1143000" indent="-228600" algn="l" defTabSz="914400" rtl="0" eaLnBrk="1" latinLnBrk="0" hangingPunct="1">
+              <a:lnSpc>
+                <a:spcPct val="90000"/>
+              </a:lnSpc>
+              <a:spcBef>
+                <a:spcPts val="500"/>
+              </a:spcBef>
+              <a:buFont typeface="Arial" panose="020B0604020202020204" pitchFamily="34" charset="0"/>
+              <a:buChar char="•"/>
+              <a:defRPr sz="2000" kern="1200">
+                <a:solidFill>
+                  <a:schemeClr val="tx1"/>
+                </a:solidFill>
+                <a:latin typeface="+mn-lt"/>
+                <a:ea typeface="+mn-ea"/>
+                <a:cs typeface="+mn-cs"/>
+              </a:defRPr>
+            </a:lvl3pPr>
+            <a:lvl4pPr marL="1600200" indent="-228600" algn="l" defTabSz="914400" rtl="0" eaLnBrk="1" latinLnBrk="0" hangingPunct="1">
+              <a:lnSpc>
+                <a:spcPct val="90000"/>
+              </a:lnSpc>
+              <a:spcBef>
+                <a:spcPts val="500"/>
+              </a:spcBef>
+              <a:buFont typeface="Arial" panose="020B0604020202020204" pitchFamily="34" charset="0"/>
+              <a:buChar char="•"/>
+              <a:defRPr sz="1800" kern="1200">
+                <a:solidFill>
+                  <a:schemeClr val="tx1"/>
+                </a:solidFill>
+                <a:latin typeface="+mn-lt"/>
+                <a:ea typeface="+mn-ea"/>
+                <a:cs typeface="+mn-cs"/>
+              </a:defRPr>
+            </a:lvl4pPr>
+            <a:lvl5pPr marL="2057400" indent="-228600" algn="l" defTabSz="914400" rtl="0" eaLnBrk="1" latinLnBrk="0" hangingPunct="1">
+              <a:lnSpc>
+                <a:spcPct val="90000"/>
+              </a:lnSpc>
+              <a:spcBef>
+                <a:spcPts val="500"/>
+              </a:spcBef>
+              <a:buFont typeface="Arial" panose="020B0604020202020204" pitchFamily="34" charset="0"/>
+              <a:buChar char="•"/>
+              <a:defRPr sz="1800" kern="1200">
+                <a:solidFill>
+                  <a:schemeClr val="tx1"/>
+                </a:solidFill>
+                <a:latin typeface="+mn-lt"/>
+                <a:ea typeface="+mn-ea"/>
+                <a:cs typeface="+mn-cs"/>
+              </a:defRPr>
+            </a:lvl5pPr>
+            <a:lvl6pPr marL="2514600" indent="-228600" algn="l" defTabSz="914400" rtl="0" eaLnBrk="1" latinLnBrk="0" hangingPunct="1">
+              <a:lnSpc>
+                <a:spcPct val="90000"/>
+              </a:lnSpc>
+              <a:spcBef>
+                <a:spcPts val="500"/>
+              </a:spcBef>
+              <a:buFont typeface="Arial" panose="020B0604020202020204" pitchFamily="34" charset="0"/>
+              <a:buChar char="•"/>
+              <a:defRPr sz="1800" kern="1200">
+                <a:solidFill>
+                  <a:schemeClr val="tx1"/>
+                </a:solidFill>
+                <a:latin typeface="+mn-lt"/>
+                <a:ea typeface="+mn-ea"/>
+                <a:cs typeface="+mn-cs"/>
+              </a:defRPr>
+            </a:lvl6pPr>
+            <a:lvl7pPr marL="2971800" indent="-228600" algn="l" defTabSz="914400" rtl="0" eaLnBrk="1" latinLnBrk="0" hangingPunct="1">
+              <a:lnSpc>
+                <a:spcPct val="90000"/>
+              </a:lnSpc>
+              <a:spcBef>
+                <a:spcPts val="500"/>
+              </a:spcBef>
+              <a:buFont typeface="Arial" panose="020B0604020202020204" pitchFamily="34" charset="0"/>
+              <a:buChar char="•"/>
+              <a:defRPr sz="1800" kern="1200">
+                <a:solidFill>
+                  <a:schemeClr val="tx1"/>
+                </a:solidFill>
+                <a:latin typeface="+mn-lt"/>
+                <a:ea typeface="+mn-ea"/>
+                <a:cs typeface="+mn-cs"/>
+              </a:defRPr>
+            </a:lvl7pPr>
+            <a:lvl8pPr marL="3429000" indent="-228600" algn="l" defTabSz="914400" rtl="0" eaLnBrk="1" latinLnBrk="0" hangingPunct="1">
+              <a:lnSpc>
+                <a:spcPct val="90000"/>
+              </a:lnSpc>
+              <a:spcBef>
+                <a:spcPts val="500"/>
+              </a:spcBef>
+              <a:buFont typeface="Arial" panose="020B0604020202020204" pitchFamily="34" charset="0"/>
+              <a:buChar char="•"/>
+              <a:defRPr sz="1800" kern="1200">
+                <a:solidFill>
+                  <a:schemeClr val="tx1"/>
+                </a:solidFill>
+                <a:latin typeface="+mn-lt"/>
+                <a:ea typeface="+mn-ea"/>
+                <a:cs typeface="+mn-cs"/>
+              </a:defRPr>
+            </a:lvl8pPr>
+            <a:lvl9pPr marL="3886200" indent="-228600" algn="l" defTabSz="914400" rtl="0" eaLnBrk="1" latinLnBrk="0" hangingPunct="1">
+              <a:lnSpc>
+                <a:spcPct val="90000"/>
+              </a:lnSpc>
+              <a:spcBef>
+                <a:spcPts val="500"/>
+              </a:spcBef>
+              <a:buFont typeface="Arial" panose="020B0604020202020204" pitchFamily="34" charset="0"/>
+              <a:buChar char="•"/>
+              <a:defRPr sz="1800" kern="1200">
+                <a:solidFill>
+                  <a:schemeClr val="tx1"/>
+                </a:solidFill>
+                <a:latin typeface="+mn-lt"/>
+                <a:ea typeface="+mn-ea"/>
+                <a:cs typeface="+mn-cs"/>
+              </a:defRPr>
+            </a:lvl9pPr>
+          </a:lstStyle>
+          <a:p>
+            <a:pPr marL="0" indent="0" algn="ctr">
+              <a:buNone/>
+            </a:pPr>
+            <a:r>
+              <a:rPr lang="en-US" sz="3200" dirty="0"/>
+              <a:t>As Data Analysts, our job isn’t just to create fancy charts—it’s to uncover critical insights that drive </a:t>
+            </a:r>
+            <a:r>
+              <a:rPr lang="en-US" sz="3200" b="1" dirty="0"/>
+              <a:t>real</a:t>
+            </a:r>
+            <a:r>
+              <a:rPr lang="en-US" sz="3200" dirty="0"/>
+              <a:t> </a:t>
+            </a:r>
+            <a:r>
+              <a:rPr lang="en-US" sz="3200" b="1" dirty="0"/>
+              <a:t>change</a:t>
+            </a:r>
+            <a:r>
+              <a:rPr lang="en-US" sz="3200" dirty="0"/>
+              <a:t> and </a:t>
+            </a:r>
+            <a:r>
+              <a:rPr lang="en-US" sz="3200" b="1" dirty="0"/>
+              <a:t>create impact</a:t>
+            </a:r>
+            <a:r>
+              <a:rPr lang="en-US" sz="3200" dirty="0"/>
+              <a:t>. This project is a reflection of that purpose, showing how </a:t>
+            </a:r>
+            <a:r>
+              <a:rPr lang="en-US" sz="3200" b="1" dirty="0"/>
+              <a:t>data</a:t>
+            </a:r>
+            <a:r>
+              <a:rPr lang="en-US" sz="3200" dirty="0"/>
+              <a:t> </a:t>
+            </a:r>
+            <a:r>
+              <a:rPr lang="en-US" sz="3200" b="1" dirty="0"/>
+              <a:t>can empower </a:t>
+            </a:r>
+            <a:r>
+              <a:rPr lang="en-US" sz="3200" dirty="0"/>
+              <a:t>individuals to </a:t>
+            </a:r>
+            <a:r>
+              <a:rPr lang="en-US" sz="3200" b="1" dirty="0"/>
+              <a:t>take control of their health</a:t>
+            </a:r>
+            <a:r>
+              <a:rPr lang="en-US" sz="3200" dirty="0"/>
+              <a:t>. With that said, though data can guide us, always consult a medical professional.</a:t>
+            </a:r>
+          </a:p>
+        </p:txBody>
+      </p:sp>
+      <p:pic>
+        <p:nvPicPr>
+          <p:cNvPr id="3" name="Picture 2" descr="A white u-shaped arrow in a circle&#10;&#10;AI-generated content may be incorrect.">
+            <a:extLst>
+              <a:ext uri="{FF2B5EF4-FFF2-40B4-BE49-F238E27FC236}">
+                <a16:creationId xmlns:a16="http://schemas.microsoft.com/office/drawing/2014/main" id="{7A85A6B0-8992-FB78-ED13-4DCFBB2D4E1B}"/>
+              </a:ext>
+            </a:extLst>
+          </p:cNvPr>
+          <p:cNvPicPr>
+            <a:picLocks noChangeAspect="1"/>
+          </p:cNvPicPr>
+          <p:nvPr/>
+        </p:nvPicPr>
+        <p:blipFill>
+          <a:blip r:embed="rId2"/>
+          <a:stretch>
+            <a:fillRect/>
+          </a:stretch>
+        </p:blipFill>
+        <p:spPr>
+          <a:xfrm>
+            <a:off x="11437877" y="6176963"/>
+            <a:ext cx="488870" cy="479284"/>
+          </a:xfrm>
+          <a:prstGeom prst="rect">
+            <a:avLst/>
+          </a:prstGeom>
+        </p:spPr>
+      </p:pic>
+    </p:spTree>
+    <p:extLst>
+      <p:ext uri="{BB962C8B-B14F-4D97-AF65-F5344CB8AC3E}">
+        <p14:creationId xmlns:p14="http://schemas.microsoft.com/office/powerpoint/2010/main" val="2625304704"/>
+      </p:ext>
+    </p:extLst>
+  </p:cSld>
+  <p:clrMapOvr>
+    <a:masterClrMapping/>
+  </p:clrMapOvr>
+</p:sld>
+</file>
+
+<file path=ppt/slides/slide29.xml><?xml version="1.0" encoding="utf-8"?>
 <p:sld xmlns:a="http://schemas.openxmlformats.org/drawingml/2006/main" xmlns:r="http://schemas.openxmlformats.org/officeDocument/2006/relationships" xmlns:p="http://schemas.openxmlformats.org/presentationml/2006/main">
   <p:cSld>
     <p:bg>
@@ -14736,8 +15299,8 @@
         </p:nvSpPr>
         <p:spPr>
           <a:xfrm>
-            <a:off x="1525712" y="2400475"/>
-            <a:ext cx="9142288" cy="2068222"/>
+            <a:off x="1525712" y="3516197"/>
+            <a:ext cx="9142288" cy="952499"/>
           </a:xfrm>
         </p:spPr>
         <p:txBody>
@@ -14923,6 +15486,58 @@
           </a:prstGeom>
         </p:spPr>
       </p:pic>
+      <p:sp>
+        <p:nvSpPr>
+          <p:cNvPr id="4" name="TextBox 3">
+            <a:extLst>
+              <a:ext uri="{FF2B5EF4-FFF2-40B4-BE49-F238E27FC236}">
+                <a16:creationId xmlns:a16="http://schemas.microsoft.com/office/drawing/2014/main" id="{9B8ADFD1-303C-B65A-A76D-880B644A3ECC}"/>
+              </a:ext>
+            </a:extLst>
+          </p:cNvPr>
+          <p:cNvSpPr txBox="1"/>
+          <p:nvPr/>
+        </p:nvSpPr>
+        <p:spPr>
+          <a:xfrm>
+            <a:off x="1376359" y="6286915"/>
+            <a:ext cx="9436232" cy="369332"/>
+          </a:xfrm>
+          <a:prstGeom prst="rect">
+            <a:avLst/>
+          </a:prstGeom>
+          <a:noFill/>
+        </p:spPr>
+        <p:txBody>
+          <a:bodyPr wrap="square" rtlCol="0">
+            <a:spAutoFit/>
+          </a:bodyPr>
+          <a:lstStyle/>
+          <a:p>
+            <a:r>
+              <a:rPr lang="en-US" dirty="0"/>
+              <a:t>Email: </a:t>
+            </a:r>
+            <a:r>
+              <a:rPr lang="en-US" dirty="0">
+                <a:hlinkClick r:id="rId6"/>
+              </a:rPr>
+              <a:t>abnersonocampo@gmail.com</a:t>
+            </a:r>
+            <a:r>
+              <a:rPr lang="en-US" dirty="0"/>
+              <a:t>  |  LinkedIn: </a:t>
+            </a:r>
+            <a:r>
+              <a:rPr lang="en-US" dirty="0">
+                <a:hlinkClick r:id="rId7"/>
+              </a:rPr>
+              <a:t>https://linkedin.com/in/abnerson-ocampo/</a:t>
+            </a:r>
+            <a:endParaRPr lang="en-US" dirty="0"/>
+          </a:p>
+        </p:txBody>
+      </p:sp>
     </p:spTree>
     <p:extLst>
       <p:ext uri="{BB962C8B-B14F-4D97-AF65-F5344CB8AC3E}">

--- a/Capstone Presentation.pptx
+++ b/Capstone Presentation.pptx
@@ -3301,7 +3301,7 @@
           <a:p>
             <a:fld id="{37A73165-2164-3646-91C2-DD0E969E872B}" type="datetimeFigureOut">
               <a:rPr lang="en-US" smtClean="0"/>
-              <a:t>3/23/25</a:t>
+              <a:t>3/24/25</a:t>
             </a:fld>
             <a:endParaRPr lang="en-US"/>
           </a:p>
@@ -3799,7 +3799,7 @@
           <a:p>
             <a:fld id="{F342B209-16C2-594C-AD68-87E44ECB4AD5}" type="datetimeFigureOut">
               <a:rPr lang="en-US" smtClean="0"/>
-              <a:t>3/23/25</a:t>
+              <a:t>3/24/25</a:t>
             </a:fld>
             <a:endParaRPr lang="en-US"/>
           </a:p>
@@ -3997,7 +3997,7 @@
           <a:p>
             <a:fld id="{F342B209-16C2-594C-AD68-87E44ECB4AD5}" type="datetimeFigureOut">
               <a:rPr lang="en-US" smtClean="0"/>
-              <a:t>3/23/25</a:t>
+              <a:t>3/24/25</a:t>
             </a:fld>
             <a:endParaRPr lang="en-US"/>
           </a:p>
@@ -4205,7 +4205,7 @@
           <a:p>
             <a:fld id="{F342B209-16C2-594C-AD68-87E44ECB4AD5}" type="datetimeFigureOut">
               <a:rPr lang="en-US" smtClean="0"/>
-              <a:t>3/23/25</a:t>
+              <a:t>3/24/25</a:t>
             </a:fld>
             <a:endParaRPr lang="en-US"/>
           </a:p>
@@ -4403,7 +4403,7 @@
           <a:p>
             <a:fld id="{F342B209-16C2-594C-AD68-87E44ECB4AD5}" type="datetimeFigureOut">
               <a:rPr lang="en-US" smtClean="0"/>
-              <a:t>3/23/25</a:t>
+              <a:t>3/24/25</a:t>
             </a:fld>
             <a:endParaRPr lang="en-US"/>
           </a:p>
@@ -4678,7 +4678,7 @@
           <a:p>
             <a:fld id="{F342B209-16C2-594C-AD68-87E44ECB4AD5}" type="datetimeFigureOut">
               <a:rPr lang="en-US" smtClean="0"/>
-              <a:t>3/23/25</a:t>
+              <a:t>3/24/25</a:t>
             </a:fld>
             <a:endParaRPr lang="en-US"/>
           </a:p>
@@ -4943,7 +4943,7 @@
           <a:p>
             <a:fld id="{F342B209-16C2-594C-AD68-87E44ECB4AD5}" type="datetimeFigureOut">
               <a:rPr lang="en-US" smtClean="0"/>
-              <a:t>3/23/25</a:t>
+              <a:t>3/24/25</a:t>
             </a:fld>
             <a:endParaRPr lang="en-US"/>
           </a:p>
@@ -5355,7 +5355,7 @@
           <a:p>
             <a:fld id="{F342B209-16C2-594C-AD68-87E44ECB4AD5}" type="datetimeFigureOut">
               <a:rPr lang="en-US" smtClean="0"/>
-              <a:t>3/23/25</a:t>
+              <a:t>3/24/25</a:t>
             </a:fld>
             <a:endParaRPr lang="en-US"/>
           </a:p>
@@ -5496,7 +5496,7 @@
           <a:p>
             <a:fld id="{F342B209-16C2-594C-AD68-87E44ECB4AD5}" type="datetimeFigureOut">
               <a:rPr lang="en-US" smtClean="0"/>
-              <a:t>3/23/25</a:t>
+              <a:t>3/24/25</a:t>
             </a:fld>
             <a:endParaRPr lang="en-US"/>
           </a:p>
@@ -5609,7 +5609,7 @@
           <a:p>
             <a:fld id="{F342B209-16C2-594C-AD68-87E44ECB4AD5}" type="datetimeFigureOut">
               <a:rPr lang="en-US" smtClean="0"/>
-              <a:t>3/23/25</a:t>
+              <a:t>3/24/25</a:t>
             </a:fld>
             <a:endParaRPr lang="en-US"/>
           </a:p>
@@ -5920,7 +5920,7 @@
           <a:p>
             <a:fld id="{F342B209-16C2-594C-AD68-87E44ECB4AD5}" type="datetimeFigureOut">
               <a:rPr lang="en-US" smtClean="0"/>
-              <a:t>3/23/25</a:t>
+              <a:t>3/24/25</a:t>
             </a:fld>
             <a:endParaRPr lang="en-US"/>
           </a:p>
@@ -6208,7 +6208,7 @@
           <a:p>
             <a:fld id="{F342B209-16C2-594C-AD68-87E44ECB4AD5}" type="datetimeFigureOut">
               <a:rPr lang="en-US" smtClean="0"/>
-              <a:t>3/23/25</a:t>
+              <a:t>3/24/25</a:t>
             </a:fld>
             <a:endParaRPr lang="en-US"/>
           </a:p>
@@ -6449,7 +6449,7 @@
           <a:p>
             <a:fld id="{F342B209-16C2-594C-AD68-87E44ECB4AD5}" type="datetimeFigureOut">
               <a:rPr lang="en-US" smtClean="0"/>
-              <a:t>3/23/25</a:t>
+              <a:t>3/24/25</a:t>
             </a:fld>
             <a:endParaRPr lang="en-US"/>
           </a:p>
@@ -18188,7 +18188,15 @@
           <a:p>
             <a:r>
               <a:rPr lang="en-US" sz="3600" dirty="0"/>
-              <a:t>1. How Long Do I Have Before My Breathing Becomes Critical?</a:t>
+              <a:t>1. How Long Do I Have Before My Breathing Becomes </a:t>
+            </a:r>
+            <a:r>
+              <a:rPr lang="en-US" sz="3600" b="1" dirty="0"/>
+              <a:t>Critical</a:t>
+            </a:r>
+            <a:r>
+              <a:rPr lang="en-US" sz="3600" dirty="0"/>
+              <a:t>?</a:t>
             </a:r>
           </a:p>
         </p:txBody>
